--- a/hosuk/102.ppt/중간발표.pptx
+++ b/hosuk/102.ppt/중간발표.pptx
@@ -11,13 +11,19 @@
     <p:sldId id="261" r:id="rId5"/>
     <p:sldId id="269" r:id="rId6"/>
     <p:sldId id="270" r:id="rId7"/>
-    <p:sldId id="272" r:id="rId8"/>
-    <p:sldId id="262" r:id="rId9"/>
-    <p:sldId id="271" r:id="rId10"/>
-    <p:sldId id="268" r:id="rId11"/>
-    <p:sldId id="263" r:id="rId12"/>
-    <p:sldId id="264" r:id="rId13"/>
-    <p:sldId id="265" r:id="rId14"/>
+    <p:sldId id="271" r:id="rId8"/>
+    <p:sldId id="275" r:id="rId9"/>
+    <p:sldId id="278" r:id="rId10"/>
+    <p:sldId id="279" r:id="rId11"/>
+    <p:sldId id="276" r:id="rId12"/>
+    <p:sldId id="272" r:id="rId13"/>
+    <p:sldId id="277" r:id="rId14"/>
+    <p:sldId id="274" r:id="rId15"/>
+    <p:sldId id="273" r:id="rId16"/>
+    <p:sldId id="268" r:id="rId17"/>
+    <p:sldId id="263" r:id="rId18"/>
+    <p:sldId id="264" r:id="rId19"/>
+    <p:sldId id="265" r:id="rId20"/>
   </p:sldIdLst>
   <p:sldSz cx="12192000" cy="6858000"/>
   <p:notesSz cx="6858000" cy="9144000"/>
@@ -255,7 +261,7 @@
           <a:p>
             <a:fld id="{5A0548D6-8F29-40BE-8651-6B773D67616A}" type="datetimeFigureOut">
               <a:rPr lang="ko-KR" altLang="en-US" smtClean="0"/>
-              <a:t>2024-05-24</a:t>
+              <a:t>2024-05-27</a:t>
             </a:fld>
             <a:endParaRPr lang="ko-KR" altLang="en-US"/>
           </a:p>
@@ -425,7 +431,7 @@
           <a:p>
             <a:fld id="{5A0548D6-8F29-40BE-8651-6B773D67616A}" type="datetimeFigureOut">
               <a:rPr lang="ko-KR" altLang="en-US" smtClean="0"/>
-              <a:t>2024-05-24</a:t>
+              <a:t>2024-05-27</a:t>
             </a:fld>
             <a:endParaRPr lang="ko-KR" altLang="en-US"/>
           </a:p>
@@ -605,7 +611,7 @@
           <a:p>
             <a:fld id="{5A0548D6-8F29-40BE-8651-6B773D67616A}" type="datetimeFigureOut">
               <a:rPr lang="ko-KR" altLang="en-US" smtClean="0"/>
-              <a:t>2024-05-24</a:t>
+              <a:t>2024-05-27</a:t>
             </a:fld>
             <a:endParaRPr lang="ko-KR" altLang="en-US"/>
           </a:p>
@@ -775,7 +781,7 @@
           <a:p>
             <a:fld id="{5A0548D6-8F29-40BE-8651-6B773D67616A}" type="datetimeFigureOut">
               <a:rPr lang="ko-KR" altLang="en-US" smtClean="0"/>
-              <a:t>2024-05-24</a:t>
+              <a:t>2024-05-27</a:t>
             </a:fld>
             <a:endParaRPr lang="ko-KR" altLang="en-US"/>
           </a:p>
@@ -1021,7 +1027,7 @@
           <a:p>
             <a:fld id="{5A0548D6-8F29-40BE-8651-6B773D67616A}" type="datetimeFigureOut">
               <a:rPr lang="ko-KR" altLang="en-US" smtClean="0"/>
-              <a:t>2024-05-24</a:t>
+              <a:t>2024-05-27</a:t>
             </a:fld>
             <a:endParaRPr lang="ko-KR" altLang="en-US"/>
           </a:p>
@@ -1253,7 +1259,7 @@
           <a:p>
             <a:fld id="{5A0548D6-8F29-40BE-8651-6B773D67616A}" type="datetimeFigureOut">
               <a:rPr lang="ko-KR" altLang="en-US" smtClean="0"/>
-              <a:t>2024-05-24</a:t>
+              <a:t>2024-05-27</a:t>
             </a:fld>
             <a:endParaRPr lang="ko-KR" altLang="en-US"/>
           </a:p>
@@ -1620,7 +1626,7 @@
           <a:p>
             <a:fld id="{5A0548D6-8F29-40BE-8651-6B773D67616A}" type="datetimeFigureOut">
               <a:rPr lang="ko-KR" altLang="en-US" smtClean="0"/>
-              <a:t>2024-05-24</a:t>
+              <a:t>2024-05-27</a:t>
             </a:fld>
             <a:endParaRPr lang="ko-KR" altLang="en-US"/>
           </a:p>
@@ -1738,7 +1744,7 @@
           <a:p>
             <a:fld id="{5A0548D6-8F29-40BE-8651-6B773D67616A}" type="datetimeFigureOut">
               <a:rPr lang="ko-KR" altLang="en-US" smtClean="0"/>
-              <a:t>2024-05-24</a:t>
+              <a:t>2024-05-27</a:t>
             </a:fld>
             <a:endParaRPr lang="ko-KR" altLang="en-US"/>
           </a:p>
@@ -1833,7 +1839,7 @@
           <a:p>
             <a:fld id="{5A0548D6-8F29-40BE-8651-6B773D67616A}" type="datetimeFigureOut">
               <a:rPr lang="ko-KR" altLang="en-US" smtClean="0"/>
-              <a:t>2024-05-24</a:t>
+              <a:t>2024-05-27</a:t>
             </a:fld>
             <a:endParaRPr lang="ko-KR" altLang="en-US"/>
           </a:p>
@@ -2110,7 +2116,7 @@
           <a:p>
             <a:fld id="{5A0548D6-8F29-40BE-8651-6B773D67616A}" type="datetimeFigureOut">
               <a:rPr lang="ko-KR" altLang="en-US" smtClean="0"/>
-              <a:t>2024-05-24</a:t>
+              <a:t>2024-05-27</a:t>
             </a:fld>
             <a:endParaRPr lang="ko-KR" altLang="en-US"/>
           </a:p>
@@ -2363,7 +2369,7 @@
           <a:p>
             <a:fld id="{5A0548D6-8F29-40BE-8651-6B773D67616A}" type="datetimeFigureOut">
               <a:rPr lang="ko-KR" altLang="en-US" smtClean="0"/>
-              <a:t>2024-05-24</a:t>
+              <a:t>2024-05-27</a:t>
             </a:fld>
             <a:endParaRPr lang="ko-KR" altLang="en-US"/>
           </a:p>
@@ -2576,7 +2582,7 @@
           <a:p>
             <a:fld id="{5A0548D6-8F29-40BE-8651-6B773D67616A}" type="datetimeFigureOut">
               <a:rPr lang="ko-KR" altLang="en-US" smtClean="0"/>
-              <a:t>2024-05-24</a:t>
+              <a:t>2024-05-27</a:t>
             </a:fld>
             <a:endParaRPr lang="ko-KR" altLang="en-US"/>
           </a:p>
@@ -2997,7 +3003,7 @@
         </p:blipFill>
         <p:spPr>
           <a:xfrm>
-            <a:off x="512518" y="663896"/>
+            <a:off x="512518" y="757414"/>
             <a:ext cx="7114409" cy="799082"/>
           </a:xfrm>
           <a:prstGeom prst="rect">
@@ -3111,8 +3117,8 @@
         </p:nvSpPr>
         <p:spPr>
           <a:xfrm>
-            <a:off x="512518" y="140676"/>
-            <a:ext cx="4778810" cy="523220"/>
+            <a:off x="78177" y="140676"/>
+            <a:ext cx="12190023" cy="523220"/>
           </a:xfrm>
           <a:prstGeom prst="rect">
             <a:avLst/>
@@ -3127,16 +3133,132 @@
           <a:p>
             <a:r>
               <a:rPr lang="en-US" altLang="ko-KR" sz="2800" b="1" smtClean="0"/>
-              <a:t>Googlenet - Tuning</a:t>
+              <a:t>RESNET50 – layer4 – </a:t>
+            </a:r>
+            <a:r>
+              <a:rPr lang="ko-KR" altLang="en-US" sz="2800" b="1" smtClean="0"/>
+              <a:t>기존모델 </a:t>
+            </a:r>
+            <a:r>
+              <a:rPr lang="en-US" altLang="ko-KR" sz="2800" b="1"/>
+              <a:t>+</a:t>
+            </a:r>
+            <a:r>
+              <a:rPr lang="en-US" altLang="ko-KR" sz="2800" b="1" smtClean="0"/>
+              <a:t> </a:t>
+            </a:r>
+            <a:r>
+              <a:rPr lang="ko-KR" altLang="en-US" sz="2800" b="1" smtClean="0"/>
+              <a:t>증강 데이터 추가 파인튜닝 </a:t>
+            </a:r>
+            <a:r>
+              <a:rPr lang="en-US" altLang="ko-KR" sz="2800" b="1" smtClean="0"/>
+              <a:t>– epoch 10</a:t>
             </a:r>
             <a:endParaRPr lang="ko-KR" altLang="en-US" sz="2800" b="1"/>
           </a:p>
         </p:txBody>
       </p:sp>
+      <p:pic>
+        <p:nvPicPr>
+          <p:cNvPr id="10" name="그림 9"/>
+          <p:cNvPicPr>
+            <a:picLocks noChangeAspect="1"/>
+          </p:cNvPicPr>
+          <p:nvPr/>
+        </p:nvPicPr>
+        <p:blipFill>
+          <a:blip r:embed="rId2"/>
+          <a:stretch>
+            <a:fillRect/>
+          </a:stretch>
+        </p:blipFill>
+        <p:spPr>
+          <a:xfrm>
+            <a:off x="4783156" y="993026"/>
+            <a:ext cx="3464303" cy="4996295"/>
+          </a:xfrm>
+          <a:prstGeom prst="rect">
+            <a:avLst/>
+          </a:prstGeom>
+        </p:spPr>
+      </p:pic>
+      <p:pic>
+        <p:nvPicPr>
+          <p:cNvPr id="11" name="그림 10"/>
+          <p:cNvPicPr>
+            <a:picLocks noChangeAspect="1"/>
+          </p:cNvPicPr>
+          <p:nvPr/>
+        </p:nvPicPr>
+        <p:blipFill>
+          <a:blip r:embed="rId3"/>
+          <a:stretch>
+            <a:fillRect/>
+          </a:stretch>
+        </p:blipFill>
+        <p:spPr>
+          <a:xfrm>
+            <a:off x="8312167" y="993027"/>
+            <a:ext cx="3747220" cy="4996294"/>
+          </a:xfrm>
+          <a:prstGeom prst="rect">
+            <a:avLst/>
+          </a:prstGeom>
+        </p:spPr>
+      </p:pic>
+      <p:pic>
+        <p:nvPicPr>
+          <p:cNvPr id="12" name="그림 11"/>
+          <p:cNvPicPr>
+            <a:picLocks noChangeAspect="1"/>
+          </p:cNvPicPr>
+          <p:nvPr/>
+        </p:nvPicPr>
+        <p:blipFill>
+          <a:blip r:embed="rId4"/>
+          <a:stretch>
+            <a:fillRect/>
+          </a:stretch>
+        </p:blipFill>
+        <p:spPr>
+          <a:xfrm>
+            <a:off x="424861" y="744631"/>
+            <a:ext cx="4894628" cy="1808070"/>
+          </a:xfrm>
+          <a:prstGeom prst="rect">
+            <a:avLst/>
+          </a:prstGeom>
+        </p:spPr>
+      </p:pic>
+      <p:pic>
+        <p:nvPicPr>
+          <p:cNvPr id="13" name="그림 12"/>
+          <p:cNvPicPr>
+            <a:picLocks noChangeAspect="1"/>
+          </p:cNvPicPr>
+          <p:nvPr/>
+        </p:nvPicPr>
+        <p:blipFill>
+          <a:blip r:embed="rId5"/>
+          <a:stretch>
+            <a:fillRect/>
+          </a:stretch>
+        </p:blipFill>
+        <p:spPr>
+          <a:xfrm>
+            <a:off x="424861" y="6061240"/>
+            <a:ext cx="6573167" cy="514422"/>
+          </a:xfrm>
+          <a:prstGeom prst="rect">
+            <a:avLst/>
+          </a:prstGeom>
+        </p:spPr>
+      </p:pic>
     </p:spTree>
     <p:extLst>
       <p:ext uri="{BB962C8B-B14F-4D97-AF65-F5344CB8AC3E}">
-        <p14:creationId xmlns:p14="http://schemas.microsoft.com/office/powerpoint/2010/main" val="962932658"/>
+        <p14:creationId xmlns:p14="http://schemas.microsoft.com/office/powerpoint/2010/main" val="739018338"/>
       </p:ext>
     </p:extLst>
   </p:cSld>
@@ -3171,8 +3293,8 @@
         </p:nvSpPr>
         <p:spPr>
           <a:xfrm>
-            <a:off x="512518" y="140676"/>
-            <a:ext cx="5979722" cy="523220"/>
+            <a:off x="0" y="140676"/>
+            <a:ext cx="12616743" cy="523220"/>
           </a:xfrm>
           <a:prstGeom prst="rect">
             <a:avLst/>
@@ -3187,20 +3309,140 @@
           <a:p>
             <a:r>
               <a:rPr lang="en-US" altLang="ko-KR" sz="2800" b="1" smtClean="0"/>
-              <a:t>Recall</a:t>
+              <a:t>RESNET50 – layer4 – </a:t>
             </a:r>
             <a:r>
               <a:rPr lang="ko-KR" altLang="en-US" sz="2800" b="1" smtClean="0"/>
-              <a:t>을 높이는 방향으로 모델 저장</a:t>
+              <a:t>기존모델 </a:t>
+            </a:r>
+            <a:r>
+              <a:rPr lang="en-US" altLang="ko-KR" sz="2800" b="1"/>
+              <a:t>+</a:t>
+            </a:r>
+            <a:r>
+              <a:rPr lang="en-US" altLang="ko-KR" sz="2800" b="1" smtClean="0"/>
+              <a:t> </a:t>
+            </a:r>
+            <a:r>
+              <a:rPr lang="ko-KR" altLang="en-US" sz="2800" b="1" smtClean="0"/>
+              <a:t>증강</a:t>
+            </a:r>
+            <a:r>
+              <a:rPr lang="en-US" altLang="ko-KR" sz="2800" b="1" smtClean="0"/>
+              <a:t>2</a:t>
+            </a:r>
+            <a:r>
+              <a:rPr lang="ko-KR" altLang="en-US" sz="2800" b="1" smtClean="0"/>
+              <a:t> 데이터 추가 파인튜닝 </a:t>
+            </a:r>
+            <a:r>
+              <a:rPr lang="en-US" altLang="ko-KR" sz="2800" b="1" smtClean="0"/>
+              <a:t>– epoch 10</a:t>
             </a:r>
             <a:endParaRPr lang="ko-KR" altLang="en-US" sz="2800" b="1"/>
           </a:p>
         </p:txBody>
       </p:sp>
+      <p:pic>
+        <p:nvPicPr>
+          <p:cNvPr id="14" name="그림 13"/>
+          <p:cNvPicPr>
+            <a:picLocks noChangeAspect="1"/>
+          </p:cNvPicPr>
+          <p:nvPr/>
+        </p:nvPicPr>
+        <p:blipFill>
+          <a:blip r:embed="rId2"/>
+          <a:stretch>
+            <a:fillRect/>
+          </a:stretch>
+        </p:blipFill>
+        <p:spPr>
+          <a:xfrm>
+            <a:off x="4985052" y="893855"/>
+            <a:ext cx="3151991" cy="5129834"/>
+          </a:xfrm>
+          <a:prstGeom prst="rect">
+            <a:avLst/>
+          </a:prstGeom>
+        </p:spPr>
+      </p:pic>
+      <p:pic>
+        <p:nvPicPr>
+          <p:cNvPr id="15" name="그림 14"/>
+          <p:cNvPicPr>
+            <a:picLocks noChangeAspect="1"/>
+          </p:cNvPicPr>
+          <p:nvPr/>
+        </p:nvPicPr>
+        <p:blipFill>
+          <a:blip r:embed="rId3"/>
+          <a:stretch>
+            <a:fillRect/>
+          </a:stretch>
+        </p:blipFill>
+        <p:spPr>
+          <a:xfrm>
+            <a:off x="8214020" y="893855"/>
+            <a:ext cx="3823108" cy="5129834"/>
+          </a:xfrm>
+          <a:prstGeom prst="rect">
+            <a:avLst/>
+          </a:prstGeom>
+        </p:spPr>
+      </p:pic>
+      <p:pic>
+        <p:nvPicPr>
+          <p:cNvPr id="16" name="그림 15"/>
+          <p:cNvPicPr>
+            <a:picLocks noChangeAspect="1"/>
+          </p:cNvPicPr>
+          <p:nvPr/>
+        </p:nvPicPr>
+        <p:blipFill>
+          <a:blip r:embed="rId4"/>
+          <a:stretch>
+            <a:fillRect/>
+          </a:stretch>
+        </p:blipFill>
+        <p:spPr>
+          <a:xfrm>
+            <a:off x="530775" y="796977"/>
+            <a:ext cx="6186933" cy="2281503"/>
+          </a:xfrm>
+          <a:prstGeom prst="rect">
+            <a:avLst/>
+          </a:prstGeom>
+        </p:spPr>
+      </p:pic>
+      <p:pic>
+        <p:nvPicPr>
+          <p:cNvPr id="17" name="그림 16"/>
+          <p:cNvPicPr>
+            <a:picLocks noChangeAspect="1"/>
+          </p:cNvPicPr>
+          <p:nvPr/>
+        </p:nvPicPr>
+        <p:blipFill>
+          <a:blip r:embed="rId5"/>
+          <a:stretch>
+            <a:fillRect/>
+          </a:stretch>
+        </p:blipFill>
+        <p:spPr>
+          <a:xfrm>
+            <a:off x="329045" y="5868119"/>
+            <a:ext cx="7449590" cy="504895"/>
+          </a:xfrm>
+          <a:prstGeom prst="rect">
+            <a:avLst/>
+          </a:prstGeom>
+        </p:spPr>
+      </p:pic>
     </p:spTree>
     <p:extLst>
       <p:ext uri="{BB962C8B-B14F-4D97-AF65-F5344CB8AC3E}">
-        <p14:creationId xmlns:p14="http://schemas.microsoft.com/office/powerpoint/2010/main" val="3921322563"/>
+        <p14:creationId xmlns:p14="http://schemas.microsoft.com/office/powerpoint/2010/main" val="3785758223"/>
       </p:ext>
     </p:extLst>
   </p:cSld>
@@ -3235,6 +3477,1232 @@
         </p:nvSpPr>
         <p:spPr>
           <a:xfrm>
+            <a:off x="255664" y="140676"/>
+            <a:ext cx="7604066" cy="954107"/>
+          </a:xfrm>
+          <a:prstGeom prst="rect">
+            <a:avLst/>
+          </a:prstGeom>
+          <a:noFill/>
+        </p:spPr>
+        <p:txBody>
+          <a:bodyPr wrap="square" rtlCol="0">
+            <a:spAutoFit/>
+          </a:bodyPr>
+          <a:lstStyle/>
+          <a:p>
+            <a:r>
+              <a:rPr lang="en-US" altLang="ko-KR" sz="2800" b="1" smtClean="0"/>
+              <a:t>Ensenble </a:t>
+            </a:r>
+          </a:p>
+          <a:p>
+            <a:r>
+              <a:rPr lang="en-US" altLang="ko-KR" sz="2800" b="1" smtClean="0"/>
+              <a:t>Custom(9Layer), ResNet(Layer4 Finetune)</a:t>
+            </a:r>
+            <a:endParaRPr lang="ko-KR" altLang="en-US" sz="2800" b="1"/>
+          </a:p>
+        </p:txBody>
+      </p:sp>
+      <p:sp>
+        <p:nvSpPr>
+          <p:cNvPr id="7" name="TextBox 6"/>
+          <p:cNvSpPr txBox="1"/>
+          <p:nvPr/>
+        </p:nvSpPr>
+        <p:spPr>
+          <a:xfrm>
+            <a:off x="255664" y="2148916"/>
+            <a:ext cx="11028863" cy="523220"/>
+          </a:xfrm>
+          <a:prstGeom prst="rect">
+            <a:avLst/>
+          </a:prstGeom>
+          <a:noFill/>
+        </p:spPr>
+        <p:txBody>
+          <a:bodyPr wrap="square" rtlCol="0">
+            <a:spAutoFit/>
+          </a:bodyPr>
+          <a:lstStyle/>
+          <a:p>
+            <a:r>
+              <a:rPr lang="en-US" altLang="ko-KR" sz="2800" b="1" smtClean="0"/>
+              <a:t>ResNet(Layer4 Finetune</a:t>
+            </a:r>
+            <a:r>
+              <a:rPr lang="en-US" altLang="ko-KR" sz="2800" b="1"/>
+              <a:t>), </a:t>
+            </a:r>
+            <a:r>
+              <a:rPr lang="en-US" altLang="ko-KR" sz="2800" b="1" smtClean="0"/>
+              <a:t>ResNet(Full </a:t>
+            </a:r>
+            <a:r>
+              <a:rPr lang="en-US" altLang="ko-KR" sz="2800" b="1"/>
+              <a:t>Finetune</a:t>
+            </a:r>
+            <a:r>
+              <a:rPr lang="en-US" altLang="ko-KR" sz="2800" b="1" smtClean="0"/>
+              <a:t>), Custom(9Layer)</a:t>
+            </a:r>
+            <a:endParaRPr lang="ko-KR" altLang="en-US" sz="2800" b="1"/>
+          </a:p>
+        </p:txBody>
+      </p:sp>
+      <p:pic>
+        <p:nvPicPr>
+          <p:cNvPr id="2" name="그림 1"/>
+          <p:cNvPicPr>
+            <a:picLocks noChangeAspect="1"/>
+          </p:cNvPicPr>
+          <p:nvPr/>
+        </p:nvPicPr>
+        <p:blipFill>
+          <a:blip r:embed="rId2"/>
+          <a:stretch>
+            <a:fillRect/>
+          </a:stretch>
+        </p:blipFill>
+        <p:spPr>
+          <a:xfrm>
+            <a:off x="360370" y="1090334"/>
+            <a:ext cx="8404689" cy="1044651"/>
+          </a:xfrm>
+          <a:prstGeom prst="rect">
+            <a:avLst/>
+          </a:prstGeom>
+        </p:spPr>
+      </p:pic>
+      <p:sp>
+        <p:nvSpPr>
+          <p:cNvPr id="9" name="TextBox 8"/>
+          <p:cNvSpPr txBox="1"/>
+          <p:nvPr/>
+        </p:nvSpPr>
+        <p:spPr>
+          <a:xfrm>
+            <a:off x="255664" y="3663242"/>
+            <a:ext cx="7604066" cy="523220"/>
+          </a:xfrm>
+          <a:prstGeom prst="rect">
+            <a:avLst/>
+          </a:prstGeom>
+          <a:noFill/>
+        </p:spPr>
+        <p:txBody>
+          <a:bodyPr wrap="square" rtlCol="0">
+            <a:spAutoFit/>
+          </a:bodyPr>
+          <a:lstStyle/>
+          <a:p>
+            <a:r>
+              <a:rPr lang="en-US" altLang="ko-KR" sz="2800" b="1" smtClean="0"/>
+              <a:t>Custom(9Layer), </a:t>
+            </a:r>
+            <a:r>
+              <a:rPr lang="en-US" altLang="ko-KR" sz="2800" b="1"/>
+              <a:t>ResNet(Full Finetune)</a:t>
+            </a:r>
+            <a:endParaRPr lang="ko-KR" altLang="en-US" sz="2800" b="1"/>
+          </a:p>
+        </p:txBody>
+      </p:sp>
+      <p:pic>
+        <p:nvPicPr>
+          <p:cNvPr id="10" name="그림 9"/>
+          <p:cNvPicPr>
+            <a:picLocks noChangeAspect="1"/>
+          </p:cNvPicPr>
+          <p:nvPr/>
+        </p:nvPicPr>
+        <p:blipFill>
+          <a:blip r:embed="rId3"/>
+          <a:stretch>
+            <a:fillRect/>
+          </a:stretch>
+        </p:blipFill>
+        <p:spPr>
+          <a:xfrm>
+            <a:off x="360370" y="2635615"/>
+            <a:ext cx="9718941" cy="1025463"/>
+          </a:xfrm>
+          <a:prstGeom prst="rect">
+            <a:avLst/>
+          </a:prstGeom>
+        </p:spPr>
+      </p:pic>
+      <p:pic>
+        <p:nvPicPr>
+          <p:cNvPr id="11" name="그림 10"/>
+          <p:cNvPicPr>
+            <a:picLocks noChangeAspect="1"/>
+          </p:cNvPicPr>
+          <p:nvPr/>
+        </p:nvPicPr>
+        <p:blipFill>
+          <a:blip r:embed="rId4"/>
+          <a:stretch>
+            <a:fillRect/>
+          </a:stretch>
+        </p:blipFill>
+        <p:spPr>
+          <a:xfrm>
+            <a:off x="360370" y="4126798"/>
+            <a:ext cx="10684347" cy="1170099"/>
+          </a:xfrm>
+          <a:prstGeom prst="rect">
+            <a:avLst/>
+          </a:prstGeom>
+        </p:spPr>
+      </p:pic>
+      <p:sp>
+        <p:nvSpPr>
+          <p:cNvPr id="12" name="TextBox 11"/>
+          <p:cNvSpPr txBox="1"/>
+          <p:nvPr/>
+        </p:nvSpPr>
+        <p:spPr>
+          <a:xfrm>
+            <a:off x="255664" y="5312307"/>
+            <a:ext cx="9158500" cy="523220"/>
+          </a:xfrm>
+          <a:prstGeom prst="rect">
+            <a:avLst/>
+          </a:prstGeom>
+          <a:noFill/>
+        </p:spPr>
+        <p:txBody>
+          <a:bodyPr wrap="square" rtlCol="0">
+            <a:spAutoFit/>
+          </a:bodyPr>
+          <a:lstStyle/>
+          <a:p>
+            <a:r>
+              <a:rPr lang="en-US" altLang="ko-KR" sz="2800" b="1" smtClean="0"/>
+              <a:t>ResNet(Layer4 Finetune), ResNet(Full Finetune)</a:t>
+            </a:r>
+            <a:endParaRPr lang="ko-KR" altLang="en-US" sz="2800" b="1"/>
+          </a:p>
+        </p:txBody>
+      </p:sp>
+      <p:pic>
+        <p:nvPicPr>
+          <p:cNvPr id="13" name="그림 12"/>
+          <p:cNvPicPr>
+            <a:picLocks noChangeAspect="1"/>
+          </p:cNvPicPr>
+          <p:nvPr/>
+        </p:nvPicPr>
+        <p:blipFill>
+          <a:blip r:embed="rId5"/>
+          <a:stretch>
+            <a:fillRect/>
+          </a:stretch>
+        </p:blipFill>
+        <p:spPr>
+          <a:xfrm>
+            <a:off x="368498" y="5830506"/>
+            <a:ext cx="8497462" cy="921053"/>
+          </a:xfrm>
+          <a:prstGeom prst="rect">
+            <a:avLst/>
+          </a:prstGeom>
+        </p:spPr>
+      </p:pic>
+      <p:pic>
+        <p:nvPicPr>
+          <p:cNvPr id="3" name="그림 2"/>
+          <p:cNvPicPr>
+            <a:picLocks noChangeAspect="1"/>
+          </p:cNvPicPr>
+          <p:nvPr/>
+        </p:nvPicPr>
+        <p:blipFill>
+          <a:blip r:embed="rId6"/>
+          <a:stretch>
+            <a:fillRect/>
+          </a:stretch>
+        </p:blipFill>
+        <p:spPr>
+          <a:xfrm>
+            <a:off x="7559897" y="265728"/>
+            <a:ext cx="6887536" cy="1514686"/>
+          </a:xfrm>
+          <a:prstGeom prst="rect">
+            <a:avLst/>
+          </a:prstGeom>
+        </p:spPr>
+      </p:pic>
+    </p:spTree>
+    <p:extLst>
+      <p:ext uri="{BB962C8B-B14F-4D97-AF65-F5344CB8AC3E}">
+        <p14:creationId xmlns:p14="http://schemas.microsoft.com/office/powerpoint/2010/main" val="2476327977"/>
+      </p:ext>
+    </p:extLst>
+  </p:cSld>
+  <p:clrMapOvr>
+    <a:masterClrMapping/>
+  </p:clrMapOvr>
+</p:sld>
+</file>
+
+<file path=ppt/slides/slide13.xml><?xml version="1.0" encoding="utf-8"?>
+<p:sld xmlns:a="http://schemas.openxmlformats.org/drawingml/2006/main" xmlns:r="http://schemas.openxmlformats.org/officeDocument/2006/relationships" xmlns:p="http://schemas.openxmlformats.org/presentationml/2006/main">
+  <p:cSld>
+    <p:spTree>
+      <p:nvGrpSpPr>
+        <p:cNvPr id="1" name=""/>
+        <p:cNvGrpSpPr/>
+        <p:nvPr/>
+      </p:nvGrpSpPr>
+      <p:grpSpPr>
+        <a:xfrm>
+          <a:off x="0" y="0"/>
+          <a:ext cx="0" cy="0"/>
+          <a:chOff x="0" y="0"/>
+          <a:chExt cx="0" cy="0"/>
+        </a:xfrm>
+      </p:grpSpPr>
+      <p:sp>
+        <p:nvSpPr>
+          <p:cNvPr id="4" name="TextBox 3"/>
+          <p:cNvSpPr txBox="1"/>
+          <p:nvPr/>
+        </p:nvSpPr>
+        <p:spPr>
+          <a:xfrm>
+            <a:off x="255664" y="131625"/>
+            <a:ext cx="9158500" cy="523220"/>
+          </a:xfrm>
+          <a:prstGeom prst="rect">
+            <a:avLst/>
+          </a:prstGeom>
+          <a:noFill/>
+        </p:spPr>
+        <p:txBody>
+          <a:bodyPr wrap="square" rtlCol="0">
+            <a:spAutoFit/>
+          </a:bodyPr>
+          <a:lstStyle/>
+          <a:p>
+            <a:r>
+              <a:rPr lang="ko-KR" altLang="en-US" sz="2800" b="1" smtClean="0"/>
+              <a:t>앙상블 </a:t>
+            </a:r>
+            <a:r>
+              <a:rPr lang="en-US" altLang="ko-KR" sz="2800" b="1" smtClean="0"/>
+              <a:t>– </a:t>
+            </a:r>
+            <a:r>
+              <a:rPr lang="ko-KR" altLang="en-US" sz="2800" b="1" smtClean="0"/>
+              <a:t>히든 데이터셋</a:t>
+            </a:r>
+            <a:endParaRPr lang="ko-KR" altLang="en-US" sz="2800" b="1"/>
+          </a:p>
+        </p:txBody>
+      </p:sp>
+      <p:pic>
+        <p:nvPicPr>
+          <p:cNvPr id="12" name="그림 11"/>
+          <p:cNvPicPr>
+            <a:picLocks noChangeAspect="1"/>
+          </p:cNvPicPr>
+          <p:nvPr/>
+        </p:nvPicPr>
+        <p:blipFill>
+          <a:blip r:embed="rId2"/>
+          <a:stretch>
+            <a:fillRect/>
+          </a:stretch>
+        </p:blipFill>
+        <p:spPr>
+          <a:xfrm>
+            <a:off x="368498" y="740351"/>
+            <a:ext cx="10562738" cy="1011326"/>
+          </a:xfrm>
+          <a:prstGeom prst="rect">
+            <a:avLst/>
+          </a:prstGeom>
+        </p:spPr>
+      </p:pic>
+      <p:pic>
+        <p:nvPicPr>
+          <p:cNvPr id="2" name="그림 1"/>
+          <p:cNvPicPr>
+            <a:picLocks noChangeAspect="1"/>
+          </p:cNvPicPr>
+          <p:nvPr/>
+        </p:nvPicPr>
+        <p:blipFill>
+          <a:blip r:embed="rId3"/>
+          <a:stretch>
+            <a:fillRect/>
+          </a:stretch>
+        </p:blipFill>
+        <p:spPr>
+          <a:xfrm>
+            <a:off x="368497" y="2383457"/>
+            <a:ext cx="10417433" cy="858580"/>
+          </a:xfrm>
+          <a:prstGeom prst="rect">
+            <a:avLst/>
+          </a:prstGeom>
+        </p:spPr>
+      </p:pic>
+      <p:sp>
+        <p:nvSpPr>
+          <p:cNvPr id="6" name="TextBox 5"/>
+          <p:cNvSpPr txBox="1"/>
+          <p:nvPr/>
+        </p:nvSpPr>
+        <p:spPr>
+          <a:xfrm>
+            <a:off x="255664" y="1860237"/>
+            <a:ext cx="9158500" cy="523220"/>
+          </a:xfrm>
+          <a:prstGeom prst="rect">
+            <a:avLst/>
+          </a:prstGeom>
+          <a:noFill/>
+        </p:spPr>
+        <p:txBody>
+          <a:bodyPr wrap="square" rtlCol="0">
+            <a:spAutoFit/>
+          </a:bodyPr>
+          <a:lstStyle/>
+          <a:p>
+            <a:r>
+              <a:rPr lang="en-US" altLang="ko-KR" sz="2800" b="1" smtClean="0"/>
+              <a:t>Resnet_layer4_finetune</a:t>
+            </a:r>
+            <a:r>
+              <a:rPr lang="ko-KR" altLang="en-US" sz="2800" b="1" smtClean="0"/>
+              <a:t> </a:t>
+            </a:r>
+            <a:r>
+              <a:rPr lang="en-US" altLang="ko-KR" sz="2800" b="1" smtClean="0"/>
+              <a:t>– </a:t>
+            </a:r>
+            <a:r>
+              <a:rPr lang="ko-KR" altLang="en-US" sz="2800" b="1" smtClean="0"/>
+              <a:t>히든 데이터셋</a:t>
+            </a:r>
+            <a:endParaRPr lang="ko-KR" altLang="en-US" sz="2800" b="1"/>
+          </a:p>
+        </p:txBody>
+      </p:sp>
+      <p:pic>
+        <p:nvPicPr>
+          <p:cNvPr id="3" name="그림 2"/>
+          <p:cNvPicPr>
+            <a:picLocks noChangeAspect="1"/>
+          </p:cNvPicPr>
+          <p:nvPr/>
+        </p:nvPicPr>
+        <p:blipFill>
+          <a:blip r:embed="rId4"/>
+          <a:stretch>
+            <a:fillRect/>
+          </a:stretch>
+        </p:blipFill>
+        <p:spPr>
+          <a:xfrm>
+            <a:off x="368497" y="4029535"/>
+            <a:ext cx="10707407" cy="991067"/>
+          </a:xfrm>
+          <a:prstGeom prst="rect">
+            <a:avLst/>
+          </a:prstGeom>
+        </p:spPr>
+      </p:pic>
+      <p:sp>
+        <p:nvSpPr>
+          <p:cNvPr id="8" name="TextBox 7"/>
+          <p:cNvSpPr txBox="1"/>
+          <p:nvPr/>
+        </p:nvSpPr>
+        <p:spPr>
+          <a:xfrm>
+            <a:off x="255664" y="3375671"/>
+            <a:ext cx="9158500" cy="523220"/>
+          </a:xfrm>
+          <a:prstGeom prst="rect">
+            <a:avLst/>
+          </a:prstGeom>
+          <a:noFill/>
+        </p:spPr>
+        <p:txBody>
+          <a:bodyPr wrap="square" rtlCol="0">
+            <a:spAutoFit/>
+          </a:bodyPr>
+          <a:lstStyle/>
+          <a:p>
+            <a:r>
+              <a:rPr lang="en-US" altLang="ko-KR" sz="2800" b="1" smtClean="0"/>
+              <a:t>Resnet_Full_finetune</a:t>
+            </a:r>
+            <a:r>
+              <a:rPr lang="ko-KR" altLang="en-US" sz="2800" b="1" smtClean="0"/>
+              <a:t> </a:t>
+            </a:r>
+            <a:r>
+              <a:rPr lang="en-US" altLang="ko-KR" sz="2800" b="1" smtClean="0"/>
+              <a:t>– </a:t>
+            </a:r>
+            <a:r>
+              <a:rPr lang="ko-KR" altLang="en-US" sz="2800" b="1" smtClean="0"/>
+              <a:t>히든 데이터셋</a:t>
+            </a:r>
+            <a:endParaRPr lang="ko-KR" altLang="en-US" sz="2800" b="1"/>
+          </a:p>
+        </p:txBody>
+      </p:sp>
+      <p:pic>
+        <p:nvPicPr>
+          <p:cNvPr id="5" name="그림 4"/>
+          <p:cNvPicPr>
+            <a:picLocks noChangeAspect="1"/>
+          </p:cNvPicPr>
+          <p:nvPr/>
+        </p:nvPicPr>
+        <p:blipFill>
+          <a:blip r:embed="rId5"/>
+          <a:stretch>
+            <a:fillRect/>
+          </a:stretch>
+        </p:blipFill>
+        <p:spPr>
+          <a:xfrm>
+            <a:off x="381806" y="5780902"/>
+            <a:ext cx="10920639" cy="947904"/>
+          </a:xfrm>
+          <a:prstGeom prst="rect">
+            <a:avLst/>
+          </a:prstGeom>
+        </p:spPr>
+      </p:pic>
+      <p:sp>
+        <p:nvSpPr>
+          <p:cNvPr id="11" name="TextBox 10"/>
+          <p:cNvSpPr txBox="1"/>
+          <p:nvPr/>
+        </p:nvSpPr>
+        <p:spPr>
+          <a:xfrm>
+            <a:off x="255664" y="5151246"/>
+            <a:ext cx="9158500" cy="523220"/>
+          </a:xfrm>
+          <a:prstGeom prst="rect">
+            <a:avLst/>
+          </a:prstGeom>
+          <a:noFill/>
+        </p:spPr>
+        <p:txBody>
+          <a:bodyPr wrap="square" rtlCol="0">
+            <a:spAutoFit/>
+          </a:bodyPr>
+          <a:lstStyle/>
+          <a:p>
+            <a:r>
+              <a:rPr lang="en-US" altLang="ko-KR" sz="2800" b="1" smtClean="0"/>
+              <a:t>Resnet_Full_finetune</a:t>
+            </a:r>
+            <a:r>
+              <a:rPr lang="ko-KR" altLang="en-US" sz="2800" b="1" smtClean="0"/>
+              <a:t> </a:t>
+            </a:r>
+            <a:r>
+              <a:rPr lang="en-US" altLang="ko-KR" sz="2800" b="1" smtClean="0"/>
+              <a:t>– </a:t>
+            </a:r>
+            <a:r>
+              <a:rPr lang="ko-KR" altLang="en-US" sz="2800" b="1" smtClean="0"/>
+              <a:t>히든 데이터셋</a:t>
+            </a:r>
+            <a:endParaRPr lang="ko-KR" altLang="en-US" sz="2800" b="1"/>
+          </a:p>
+        </p:txBody>
+      </p:sp>
+    </p:spTree>
+    <p:extLst>
+      <p:ext uri="{BB962C8B-B14F-4D97-AF65-F5344CB8AC3E}">
+        <p14:creationId xmlns:p14="http://schemas.microsoft.com/office/powerpoint/2010/main" val="3054207749"/>
+      </p:ext>
+    </p:extLst>
+  </p:cSld>
+  <p:clrMapOvr>
+    <a:masterClrMapping/>
+  </p:clrMapOvr>
+</p:sld>
+</file>
+
+<file path=ppt/slides/slide14.xml><?xml version="1.0" encoding="utf-8"?>
+<p:sld xmlns:a="http://schemas.openxmlformats.org/drawingml/2006/main" xmlns:r="http://schemas.openxmlformats.org/officeDocument/2006/relationships" xmlns:p="http://schemas.openxmlformats.org/presentationml/2006/main">
+  <p:cSld>
+    <p:spTree>
+      <p:nvGrpSpPr>
+        <p:cNvPr id="1" name=""/>
+        <p:cNvGrpSpPr/>
+        <p:nvPr/>
+      </p:nvGrpSpPr>
+      <p:grpSpPr>
+        <a:xfrm>
+          <a:off x="0" y="0"/>
+          <a:ext cx="0" cy="0"/>
+          <a:chOff x="0" y="0"/>
+          <a:chExt cx="0" cy="0"/>
+        </a:xfrm>
+      </p:grpSpPr>
+      <p:sp>
+        <p:nvSpPr>
+          <p:cNvPr id="11" name="TextBox 10"/>
+          <p:cNvSpPr txBox="1"/>
+          <p:nvPr/>
+        </p:nvSpPr>
+        <p:spPr>
+          <a:xfrm>
+            <a:off x="255664" y="152526"/>
+            <a:ext cx="9158500" cy="523220"/>
+          </a:xfrm>
+          <a:prstGeom prst="rect">
+            <a:avLst/>
+          </a:prstGeom>
+          <a:noFill/>
+        </p:spPr>
+        <p:txBody>
+          <a:bodyPr wrap="square" rtlCol="0">
+            <a:spAutoFit/>
+          </a:bodyPr>
+          <a:lstStyle/>
+          <a:p>
+            <a:r>
+              <a:rPr lang="en-US" altLang="ko-KR" sz="2800" b="1" smtClean="0"/>
+              <a:t>aug_Resnet_Layer4_finetune</a:t>
+            </a:r>
+            <a:r>
+              <a:rPr lang="ko-KR" altLang="en-US" sz="2800" b="1" smtClean="0"/>
+              <a:t> </a:t>
+            </a:r>
+            <a:r>
+              <a:rPr lang="en-US" altLang="ko-KR" sz="2800" b="1" smtClean="0"/>
+              <a:t>– </a:t>
+            </a:r>
+            <a:r>
+              <a:rPr lang="ko-KR" altLang="en-US" sz="2800" b="1" smtClean="0"/>
+              <a:t>히든 데이터셋</a:t>
+            </a:r>
+            <a:endParaRPr lang="ko-KR" altLang="en-US" sz="2800" b="1"/>
+          </a:p>
+        </p:txBody>
+      </p:sp>
+      <p:pic>
+        <p:nvPicPr>
+          <p:cNvPr id="7" name="그림 6"/>
+          <p:cNvPicPr>
+            <a:picLocks noChangeAspect="1"/>
+          </p:cNvPicPr>
+          <p:nvPr/>
+        </p:nvPicPr>
+        <p:blipFill>
+          <a:blip r:embed="rId2"/>
+          <a:stretch>
+            <a:fillRect/>
+          </a:stretch>
+        </p:blipFill>
+        <p:spPr>
+          <a:xfrm>
+            <a:off x="330097" y="783872"/>
+            <a:ext cx="10162644" cy="850900"/>
+          </a:xfrm>
+          <a:prstGeom prst="rect">
+            <a:avLst/>
+          </a:prstGeom>
+        </p:spPr>
+      </p:pic>
+      <p:pic>
+        <p:nvPicPr>
+          <p:cNvPr id="9" name="그림 8"/>
+          <p:cNvPicPr>
+            <a:picLocks noChangeAspect="1"/>
+          </p:cNvPicPr>
+          <p:nvPr/>
+        </p:nvPicPr>
+        <p:blipFill>
+          <a:blip r:embed="rId3"/>
+          <a:stretch>
+            <a:fillRect/>
+          </a:stretch>
+        </p:blipFill>
+        <p:spPr>
+          <a:xfrm>
+            <a:off x="330097" y="2641246"/>
+            <a:ext cx="11083419" cy="963014"/>
+          </a:xfrm>
+          <a:prstGeom prst="rect">
+            <a:avLst/>
+          </a:prstGeom>
+        </p:spPr>
+      </p:pic>
+      <p:sp>
+        <p:nvSpPr>
+          <p:cNvPr id="13" name="TextBox 12"/>
+          <p:cNvSpPr txBox="1"/>
+          <p:nvPr/>
+        </p:nvSpPr>
+        <p:spPr>
+          <a:xfrm>
+            <a:off x="255664" y="1966086"/>
+            <a:ext cx="9589376" cy="523220"/>
+          </a:xfrm>
+          <a:prstGeom prst="rect">
+            <a:avLst/>
+          </a:prstGeom>
+          <a:noFill/>
+        </p:spPr>
+        <p:txBody>
+          <a:bodyPr wrap="square" rtlCol="0">
+            <a:spAutoFit/>
+          </a:bodyPr>
+          <a:lstStyle/>
+          <a:p>
+            <a:r>
+              <a:rPr lang="en-US" altLang="ko-KR" sz="2800" b="1" smtClean="0"/>
+              <a:t>aug_finetuned_Resnet_Layer4_finetune</a:t>
+            </a:r>
+            <a:r>
+              <a:rPr lang="ko-KR" altLang="en-US" sz="2800" b="1" smtClean="0"/>
+              <a:t> </a:t>
+            </a:r>
+            <a:r>
+              <a:rPr lang="en-US" altLang="ko-KR" sz="2800" b="1" smtClean="0"/>
+              <a:t>– </a:t>
+            </a:r>
+            <a:r>
+              <a:rPr lang="ko-KR" altLang="en-US" sz="2800" b="1" smtClean="0"/>
+              <a:t>히든 데이터셋</a:t>
+            </a:r>
+            <a:endParaRPr lang="ko-KR" altLang="en-US" sz="2800" b="1"/>
+          </a:p>
+        </p:txBody>
+      </p:sp>
+      <p:sp>
+        <p:nvSpPr>
+          <p:cNvPr id="15" name="TextBox 14"/>
+          <p:cNvSpPr txBox="1"/>
+          <p:nvPr/>
+        </p:nvSpPr>
+        <p:spPr>
+          <a:xfrm>
+            <a:off x="255664" y="3604260"/>
+            <a:ext cx="9589376" cy="523220"/>
+          </a:xfrm>
+          <a:prstGeom prst="rect">
+            <a:avLst/>
+          </a:prstGeom>
+          <a:noFill/>
+        </p:spPr>
+        <p:txBody>
+          <a:bodyPr wrap="square" rtlCol="0">
+            <a:spAutoFit/>
+          </a:bodyPr>
+          <a:lstStyle/>
+          <a:p>
+            <a:r>
+              <a:rPr lang="en-US" altLang="ko-KR" sz="2800" b="1" smtClean="0"/>
+              <a:t>aug2_finetuned_Resnet_Layer4_finetune</a:t>
+            </a:r>
+            <a:r>
+              <a:rPr lang="ko-KR" altLang="en-US" sz="2800" b="1" smtClean="0"/>
+              <a:t> </a:t>
+            </a:r>
+            <a:r>
+              <a:rPr lang="en-US" altLang="ko-KR" sz="2800" b="1" smtClean="0"/>
+              <a:t>– </a:t>
+            </a:r>
+            <a:r>
+              <a:rPr lang="ko-KR" altLang="en-US" sz="2800" b="1" smtClean="0"/>
+              <a:t>히든 데이터셋</a:t>
+            </a:r>
+            <a:endParaRPr lang="ko-KR" altLang="en-US" sz="2800" b="1"/>
+          </a:p>
+        </p:txBody>
+      </p:sp>
+      <p:pic>
+        <p:nvPicPr>
+          <p:cNvPr id="16" name="그림 15"/>
+          <p:cNvPicPr>
+            <a:picLocks noChangeAspect="1"/>
+          </p:cNvPicPr>
+          <p:nvPr/>
+        </p:nvPicPr>
+        <p:blipFill>
+          <a:blip r:embed="rId4"/>
+          <a:stretch>
+            <a:fillRect/>
+          </a:stretch>
+        </p:blipFill>
+        <p:spPr>
+          <a:xfrm>
+            <a:off x="330096" y="4403794"/>
+            <a:ext cx="11627679" cy="884359"/>
+          </a:xfrm>
+          <a:prstGeom prst="rect">
+            <a:avLst/>
+          </a:prstGeom>
+        </p:spPr>
+      </p:pic>
+      <p:pic>
+        <p:nvPicPr>
+          <p:cNvPr id="8" name="그림 7"/>
+          <p:cNvPicPr>
+            <a:picLocks noChangeAspect="1"/>
+          </p:cNvPicPr>
+          <p:nvPr/>
+        </p:nvPicPr>
+        <p:blipFill>
+          <a:blip r:embed="rId5"/>
+          <a:stretch>
+            <a:fillRect/>
+          </a:stretch>
+        </p:blipFill>
+        <p:spPr>
+          <a:xfrm>
+            <a:off x="330096" y="6087687"/>
+            <a:ext cx="7125694" cy="628738"/>
+          </a:xfrm>
+          <a:prstGeom prst="rect">
+            <a:avLst/>
+          </a:prstGeom>
+        </p:spPr>
+      </p:pic>
+      <p:sp>
+        <p:nvSpPr>
+          <p:cNvPr id="10" name="TextBox 9"/>
+          <p:cNvSpPr txBox="1"/>
+          <p:nvPr/>
+        </p:nvSpPr>
+        <p:spPr>
+          <a:xfrm>
+            <a:off x="255664" y="5426310"/>
+            <a:ext cx="11014316" cy="523220"/>
+          </a:xfrm>
+          <a:prstGeom prst="rect">
+            <a:avLst/>
+          </a:prstGeom>
+          <a:noFill/>
+        </p:spPr>
+        <p:txBody>
+          <a:bodyPr wrap="square" rtlCol="0">
+            <a:spAutoFit/>
+          </a:bodyPr>
+          <a:lstStyle/>
+          <a:p>
+            <a:r>
+              <a:rPr lang="en-US" altLang="ko-KR" sz="2800" b="1" smtClean="0"/>
+              <a:t>aug10_finetuned_Resnet_Layer4_finetune</a:t>
+            </a:r>
+            <a:r>
+              <a:rPr lang="ko-KR" altLang="en-US" sz="2800" b="1" smtClean="0"/>
+              <a:t> </a:t>
+            </a:r>
+            <a:r>
+              <a:rPr lang="en-US" altLang="ko-KR" sz="2800" b="1" smtClean="0"/>
+              <a:t>– </a:t>
+            </a:r>
+            <a:r>
+              <a:rPr lang="ko-KR" altLang="en-US" sz="2800" b="1" smtClean="0"/>
+              <a:t>히든 데이터셋</a:t>
+            </a:r>
+            <a:endParaRPr lang="ko-KR" altLang="en-US" sz="2800" b="1"/>
+          </a:p>
+        </p:txBody>
+      </p:sp>
+    </p:spTree>
+    <p:extLst>
+      <p:ext uri="{BB962C8B-B14F-4D97-AF65-F5344CB8AC3E}">
+        <p14:creationId xmlns:p14="http://schemas.microsoft.com/office/powerpoint/2010/main" val="4088050267"/>
+      </p:ext>
+    </p:extLst>
+  </p:cSld>
+  <p:clrMapOvr>
+    <a:masterClrMapping/>
+  </p:clrMapOvr>
+</p:sld>
+</file>
+
+<file path=ppt/slides/slide15.xml><?xml version="1.0" encoding="utf-8"?>
+<p:sld xmlns:a="http://schemas.openxmlformats.org/drawingml/2006/main" xmlns:r="http://schemas.openxmlformats.org/officeDocument/2006/relationships" xmlns:p="http://schemas.openxmlformats.org/presentationml/2006/main">
+  <p:cSld>
+    <p:spTree>
+      <p:nvGrpSpPr>
+        <p:cNvPr id="1" name=""/>
+        <p:cNvGrpSpPr/>
+        <p:nvPr/>
+      </p:nvGrpSpPr>
+      <p:grpSpPr>
+        <a:xfrm>
+          <a:off x="0" y="0"/>
+          <a:ext cx="0" cy="0"/>
+          <a:chOff x="0" y="0"/>
+          <a:chExt cx="0" cy="0"/>
+        </a:xfrm>
+      </p:grpSpPr>
+      <p:sp>
+        <p:nvSpPr>
+          <p:cNvPr id="4" name="TextBox 3"/>
+          <p:cNvSpPr txBox="1"/>
+          <p:nvPr/>
+        </p:nvSpPr>
+        <p:spPr>
+          <a:xfrm>
+            <a:off x="255664" y="131625"/>
+            <a:ext cx="9158500" cy="523220"/>
+          </a:xfrm>
+          <a:prstGeom prst="rect">
+            <a:avLst/>
+          </a:prstGeom>
+          <a:noFill/>
+        </p:spPr>
+        <p:txBody>
+          <a:bodyPr wrap="square" rtlCol="0">
+            <a:spAutoFit/>
+          </a:bodyPr>
+          <a:lstStyle/>
+          <a:p>
+            <a:r>
+              <a:rPr lang="ko-KR" altLang="en-US" sz="2800" b="1" smtClean="0"/>
+              <a:t>앙상블 </a:t>
+            </a:r>
+            <a:r>
+              <a:rPr lang="en-US" altLang="ko-KR" sz="2800" b="1" smtClean="0"/>
+              <a:t>– </a:t>
+            </a:r>
+            <a:r>
+              <a:rPr lang="ko-KR" altLang="en-US" sz="2800" b="1" smtClean="0"/>
+              <a:t>히든 데이터셋</a:t>
+            </a:r>
+            <a:endParaRPr lang="ko-KR" altLang="en-US" sz="2800" b="1"/>
+          </a:p>
+        </p:txBody>
+      </p:sp>
+      <p:pic>
+        <p:nvPicPr>
+          <p:cNvPr id="13" name="그림 12"/>
+          <p:cNvPicPr>
+            <a:picLocks noChangeAspect="1"/>
+          </p:cNvPicPr>
+          <p:nvPr/>
+        </p:nvPicPr>
+        <p:blipFill>
+          <a:blip r:embed="rId2"/>
+          <a:stretch>
+            <a:fillRect/>
+          </a:stretch>
+        </p:blipFill>
+        <p:spPr>
+          <a:xfrm>
+            <a:off x="383046" y="889907"/>
+            <a:ext cx="9991098" cy="897703"/>
+          </a:xfrm>
+          <a:prstGeom prst="rect">
+            <a:avLst/>
+          </a:prstGeom>
+        </p:spPr>
+      </p:pic>
+      <p:pic>
+        <p:nvPicPr>
+          <p:cNvPr id="7" name="그림 6"/>
+          <p:cNvPicPr>
+            <a:picLocks noChangeAspect="1"/>
+          </p:cNvPicPr>
+          <p:nvPr/>
+        </p:nvPicPr>
+        <p:blipFill>
+          <a:blip r:embed="rId3"/>
+          <a:stretch>
+            <a:fillRect/>
+          </a:stretch>
+        </p:blipFill>
+        <p:spPr>
+          <a:xfrm>
+            <a:off x="383046" y="2768315"/>
+            <a:ext cx="10189176" cy="1173418"/>
+          </a:xfrm>
+          <a:prstGeom prst="rect">
+            <a:avLst/>
+          </a:prstGeom>
+        </p:spPr>
+      </p:pic>
+      <p:sp>
+        <p:nvSpPr>
+          <p:cNvPr id="14" name="TextBox 13"/>
+          <p:cNvSpPr txBox="1"/>
+          <p:nvPr/>
+        </p:nvSpPr>
+        <p:spPr>
+          <a:xfrm>
+            <a:off x="255664" y="2162716"/>
+            <a:ext cx="9158500" cy="523220"/>
+          </a:xfrm>
+          <a:prstGeom prst="rect">
+            <a:avLst/>
+          </a:prstGeom>
+          <a:noFill/>
+        </p:spPr>
+        <p:txBody>
+          <a:bodyPr wrap="square" rtlCol="0">
+            <a:spAutoFit/>
+          </a:bodyPr>
+          <a:lstStyle/>
+          <a:p>
+            <a:r>
+              <a:rPr lang="ko-KR" altLang="en-US" sz="2800" b="1" smtClean="0"/>
+              <a:t>앙상블 </a:t>
+            </a:r>
+            <a:r>
+              <a:rPr lang="en-US" altLang="ko-KR" sz="2800" b="1" smtClean="0"/>
+              <a:t>– </a:t>
+            </a:r>
+            <a:r>
+              <a:rPr lang="ko-KR" altLang="en-US" sz="2800" b="1" smtClean="0"/>
+              <a:t>히든 데이터셋</a:t>
+            </a:r>
+            <a:endParaRPr lang="ko-KR" altLang="en-US" sz="2800" b="1"/>
+          </a:p>
+        </p:txBody>
+      </p:sp>
+      <p:pic>
+        <p:nvPicPr>
+          <p:cNvPr id="2" name="그림 1"/>
+          <p:cNvPicPr>
+            <a:picLocks noChangeAspect="1"/>
+          </p:cNvPicPr>
+          <p:nvPr/>
+        </p:nvPicPr>
+        <p:blipFill>
+          <a:blip r:embed="rId4"/>
+          <a:stretch>
+            <a:fillRect/>
+          </a:stretch>
+        </p:blipFill>
+        <p:spPr>
+          <a:xfrm>
+            <a:off x="383045" y="4278568"/>
+            <a:ext cx="10152991" cy="2137471"/>
+          </a:xfrm>
+          <a:prstGeom prst="rect">
+            <a:avLst/>
+          </a:prstGeom>
+        </p:spPr>
+      </p:pic>
+    </p:spTree>
+    <p:extLst>
+      <p:ext uri="{BB962C8B-B14F-4D97-AF65-F5344CB8AC3E}">
+        <p14:creationId xmlns:p14="http://schemas.microsoft.com/office/powerpoint/2010/main" val="4100669060"/>
+      </p:ext>
+    </p:extLst>
+  </p:cSld>
+  <p:clrMapOvr>
+    <a:masterClrMapping/>
+  </p:clrMapOvr>
+</p:sld>
+</file>
+
+<file path=ppt/slides/slide16.xml><?xml version="1.0" encoding="utf-8"?>
+<p:sld xmlns:a="http://schemas.openxmlformats.org/drawingml/2006/main" xmlns:r="http://schemas.openxmlformats.org/officeDocument/2006/relationships" xmlns:p="http://schemas.openxmlformats.org/presentationml/2006/main">
+  <p:cSld>
+    <p:spTree>
+      <p:nvGrpSpPr>
+        <p:cNvPr id="1" name=""/>
+        <p:cNvGrpSpPr/>
+        <p:nvPr/>
+      </p:nvGrpSpPr>
+      <p:grpSpPr>
+        <a:xfrm>
+          <a:off x="0" y="0"/>
+          <a:ext cx="0" cy="0"/>
+          <a:chOff x="0" y="0"/>
+          <a:chExt cx="0" cy="0"/>
+        </a:xfrm>
+      </p:grpSpPr>
+      <p:sp>
+        <p:nvSpPr>
+          <p:cNvPr id="4" name="TextBox 3"/>
+          <p:cNvSpPr txBox="1"/>
+          <p:nvPr/>
+        </p:nvSpPr>
+        <p:spPr>
+          <a:xfrm>
+            <a:off x="512518" y="197427"/>
+            <a:ext cx="7610402" cy="523220"/>
+          </a:xfrm>
+          <a:prstGeom prst="rect">
+            <a:avLst/>
+          </a:prstGeom>
+          <a:noFill/>
+        </p:spPr>
+        <p:txBody>
+          <a:bodyPr wrap="square" rtlCol="0">
+            <a:spAutoFit/>
+          </a:bodyPr>
+          <a:lstStyle/>
+          <a:p>
+            <a:r>
+              <a:rPr lang="en-US" altLang="ko-KR" sz="2800" b="1" smtClean="0"/>
+              <a:t>Googlenet – output layer FineTuning</a:t>
+            </a:r>
+            <a:endParaRPr lang="ko-KR" altLang="en-US" sz="2800" b="1"/>
+          </a:p>
+        </p:txBody>
+      </p:sp>
+      <p:pic>
+        <p:nvPicPr>
+          <p:cNvPr id="2" name="그림 1"/>
+          <p:cNvPicPr>
+            <a:picLocks noChangeAspect="1"/>
+          </p:cNvPicPr>
+          <p:nvPr/>
+        </p:nvPicPr>
+        <p:blipFill>
+          <a:blip r:embed="rId2"/>
+          <a:stretch>
+            <a:fillRect/>
+          </a:stretch>
+        </p:blipFill>
+        <p:spPr>
+          <a:xfrm>
+            <a:off x="631721" y="720647"/>
+            <a:ext cx="7491199" cy="5961971"/>
+          </a:xfrm>
+          <a:prstGeom prst="rect">
+            <a:avLst/>
+          </a:prstGeom>
+        </p:spPr>
+      </p:pic>
+    </p:spTree>
+    <p:extLst>
+      <p:ext uri="{BB962C8B-B14F-4D97-AF65-F5344CB8AC3E}">
+        <p14:creationId xmlns:p14="http://schemas.microsoft.com/office/powerpoint/2010/main" val="962932658"/>
+      </p:ext>
+    </p:extLst>
+  </p:cSld>
+  <p:clrMapOvr>
+    <a:masterClrMapping/>
+  </p:clrMapOvr>
+</p:sld>
+</file>
+
+<file path=ppt/slides/slide17.xml><?xml version="1.0" encoding="utf-8"?>
+<p:sld xmlns:a="http://schemas.openxmlformats.org/drawingml/2006/main" xmlns:r="http://schemas.openxmlformats.org/officeDocument/2006/relationships" xmlns:p="http://schemas.openxmlformats.org/presentationml/2006/main">
+  <p:cSld>
+    <p:spTree>
+      <p:nvGrpSpPr>
+        <p:cNvPr id="1" name=""/>
+        <p:cNvGrpSpPr/>
+        <p:nvPr/>
+      </p:nvGrpSpPr>
+      <p:grpSpPr>
+        <a:xfrm>
+          <a:off x="0" y="0"/>
+          <a:ext cx="0" cy="0"/>
+          <a:chOff x="0" y="0"/>
+          <a:chExt cx="0" cy="0"/>
+        </a:xfrm>
+      </p:grpSpPr>
+      <p:sp>
+        <p:nvSpPr>
+          <p:cNvPr id="4" name="TextBox 3"/>
+          <p:cNvSpPr txBox="1"/>
+          <p:nvPr/>
+        </p:nvSpPr>
+        <p:spPr>
+          <a:xfrm>
+            <a:off x="512518" y="140676"/>
+            <a:ext cx="5979722" cy="523220"/>
+          </a:xfrm>
+          <a:prstGeom prst="rect">
+            <a:avLst/>
+          </a:prstGeom>
+          <a:noFill/>
+        </p:spPr>
+        <p:txBody>
+          <a:bodyPr wrap="square" rtlCol="0">
+            <a:spAutoFit/>
+          </a:bodyPr>
+          <a:lstStyle/>
+          <a:p>
+            <a:r>
+              <a:rPr lang="ko-KR" altLang="en-US" sz="2800" b="1" smtClean="0"/>
+              <a:t>히든셋을 위한 증강</a:t>
+            </a:r>
+            <a:endParaRPr lang="ko-KR" altLang="en-US" sz="2800" b="1"/>
+          </a:p>
+        </p:txBody>
+      </p:sp>
+      <p:pic>
+        <p:nvPicPr>
+          <p:cNvPr id="6" name="그림 5"/>
+          <p:cNvPicPr>
+            <a:picLocks noChangeAspect="1"/>
+          </p:cNvPicPr>
+          <p:nvPr/>
+        </p:nvPicPr>
+        <p:blipFill>
+          <a:blip r:embed="rId2"/>
+          <a:stretch>
+            <a:fillRect/>
+          </a:stretch>
+        </p:blipFill>
+        <p:spPr>
+          <a:xfrm>
+            <a:off x="512518" y="663896"/>
+            <a:ext cx="4040299" cy="5879381"/>
+          </a:xfrm>
+          <a:prstGeom prst="rect">
+            <a:avLst/>
+          </a:prstGeom>
+        </p:spPr>
+      </p:pic>
+    </p:spTree>
+    <p:extLst>
+      <p:ext uri="{BB962C8B-B14F-4D97-AF65-F5344CB8AC3E}">
+        <p14:creationId xmlns:p14="http://schemas.microsoft.com/office/powerpoint/2010/main" val="3921322563"/>
+      </p:ext>
+    </p:extLst>
+  </p:cSld>
+  <p:clrMapOvr>
+    <a:masterClrMapping/>
+  </p:clrMapOvr>
+</p:sld>
+</file>
+
+<file path=ppt/slides/slide18.xml><?xml version="1.0" encoding="utf-8"?>
+<p:sld xmlns:a="http://schemas.openxmlformats.org/drawingml/2006/main" xmlns:r="http://schemas.openxmlformats.org/officeDocument/2006/relationships" xmlns:p="http://schemas.openxmlformats.org/presentationml/2006/main">
+  <p:cSld>
+    <p:spTree>
+      <p:nvGrpSpPr>
+        <p:cNvPr id="1" name=""/>
+        <p:cNvGrpSpPr/>
+        <p:nvPr/>
+      </p:nvGrpSpPr>
+      <p:grpSpPr>
+        <a:xfrm>
+          <a:off x="0" y="0"/>
+          <a:ext cx="0" cy="0"/>
+          <a:chOff x="0" y="0"/>
+          <a:chExt cx="0" cy="0"/>
+        </a:xfrm>
+      </p:grpSpPr>
+      <p:sp>
+        <p:nvSpPr>
+          <p:cNvPr id="4" name="TextBox 3"/>
+          <p:cNvSpPr txBox="1"/>
+          <p:nvPr/>
+        </p:nvSpPr>
+        <p:spPr>
+          <a:xfrm>
             <a:off x="512518" y="140676"/>
             <a:ext cx="6833162" cy="523220"/>
           </a:xfrm>
@@ -3318,7 +4786,7 @@
 </p:sld>
 </file>
 
-<file path=ppt/slides/slide13.xml><?xml version="1.0" encoding="utf-8"?>
+<file path=ppt/slides/slide19.xml><?xml version="1.0" encoding="utf-8"?>
 <p:sld xmlns:a="http://schemas.openxmlformats.org/drawingml/2006/main" xmlns:r="http://schemas.openxmlformats.org/officeDocument/2006/relationships" xmlns:p="http://schemas.openxmlformats.org/presentationml/2006/main">
   <p:cSld>
     <p:spTree>
@@ -3557,9 +5025,53 @@
           </a:p>
         </p:txBody>
       </p:sp>
+      <p:sp>
+        <p:nvSpPr>
+          <p:cNvPr id="9" name="TextBox 8"/>
+          <p:cNvSpPr txBox="1"/>
+          <p:nvPr/>
+        </p:nvSpPr>
+        <p:spPr>
+          <a:xfrm>
+            <a:off x="666709" y="3531445"/>
+            <a:ext cx="3148474" cy="954107"/>
+          </a:xfrm>
+          <a:prstGeom prst="rect">
+            <a:avLst/>
+          </a:prstGeom>
+          <a:noFill/>
+        </p:spPr>
+        <p:txBody>
+          <a:bodyPr wrap="square" rtlCol="0">
+            <a:spAutoFit/>
+          </a:bodyPr>
+          <a:lstStyle/>
+          <a:p>
+            <a:r>
+              <a:rPr lang="ko-KR" altLang="en-US" sz="2800" b="1" smtClean="0"/>
+              <a:t>정확도 </a:t>
+            </a:r>
+            <a:r>
+              <a:rPr lang="en-US" altLang="ko-KR" sz="2800" b="1" smtClean="0"/>
+              <a:t>97.84</a:t>
+            </a:r>
+          </a:p>
+          <a:p>
+            <a:r>
+              <a:rPr lang="ko-KR" altLang="en-US" sz="2800" b="1" smtClean="0"/>
+              <a:t>리콜 </a:t>
+            </a:r>
+            <a:r>
+              <a:rPr lang="en-US" altLang="ko-KR" sz="2800" b="1" smtClean="0"/>
+              <a:t>97.76</a:t>
+            </a:r>
+            <a:endParaRPr lang="ko-KR" altLang="en-US" sz="2800" b="1"/>
+          </a:p>
+        </p:txBody>
+      </p:sp>
       <p:pic>
         <p:nvPicPr>
-          <p:cNvPr id="2" name="그림 1"/>
+          <p:cNvPr id="5" name="그림 4"/>
           <p:cNvPicPr>
             <a:picLocks noChangeAspect="1"/>
           </p:cNvPicPr>
@@ -3573,8 +5085,8 @@
         </p:blipFill>
         <p:spPr>
           <a:xfrm>
-            <a:off x="4253377" y="402286"/>
-            <a:ext cx="3625753" cy="4863981"/>
+            <a:off x="5145408" y="191865"/>
+            <a:ext cx="3187610" cy="5017965"/>
           </a:xfrm>
           <a:prstGeom prst="rect">
             <a:avLst/>
@@ -3583,7 +5095,7 @@
       </p:pic>
       <p:pic>
         <p:nvPicPr>
-          <p:cNvPr id="3" name="그림 2"/>
+          <p:cNvPr id="10" name="그림 9"/>
           <p:cNvPicPr>
             <a:picLocks noChangeAspect="1"/>
           </p:cNvPicPr>
@@ -3597,8 +5109,8 @@
         </p:blipFill>
         <p:spPr>
           <a:xfrm>
-            <a:off x="8138235" y="402286"/>
-            <a:ext cx="3873444" cy="4863981"/>
+            <a:off x="8246223" y="243055"/>
+            <a:ext cx="3762900" cy="4915586"/>
           </a:xfrm>
           <a:prstGeom prst="rect">
             <a:avLst/>
@@ -3607,7 +5119,7 @@
       </p:pic>
       <p:pic>
         <p:nvPicPr>
-          <p:cNvPr id="6" name="그림 5"/>
+          <p:cNvPr id="11" name="그림 10"/>
           <p:cNvPicPr>
             <a:picLocks noChangeAspect="1"/>
           </p:cNvPicPr>
@@ -3621,8 +5133,8 @@
         </p:blipFill>
         <p:spPr>
           <a:xfrm>
-            <a:off x="-373473" y="5488879"/>
-            <a:ext cx="7659169" cy="1524213"/>
+            <a:off x="229781" y="618737"/>
+            <a:ext cx="5921637" cy="2188431"/>
           </a:xfrm>
           <a:prstGeom prst="rect">
             <a:avLst/>
@@ -3631,7 +5143,7 @@
       </p:pic>
       <p:pic>
         <p:nvPicPr>
-          <p:cNvPr id="7" name="그림 6"/>
+          <p:cNvPr id="12" name="그림 11"/>
           <p:cNvPicPr>
             <a:picLocks noChangeAspect="1"/>
           </p:cNvPicPr>
@@ -3645,82 +5157,14 @@
         </p:blipFill>
         <p:spPr>
           <a:xfrm>
-            <a:off x="165887" y="790788"/>
-            <a:ext cx="5156306" cy="1910060"/>
+            <a:off x="354223" y="5444369"/>
+            <a:ext cx="9784431" cy="777571"/>
           </a:xfrm>
           <a:prstGeom prst="rect">
             <a:avLst/>
           </a:prstGeom>
         </p:spPr>
       </p:pic>
-      <p:pic>
-        <p:nvPicPr>
-          <p:cNvPr id="8" name="그림 7"/>
-          <p:cNvPicPr>
-            <a:picLocks noChangeAspect="1"/>
-          </p:cNvPicPr>
-          <p:nvPr/>
-        </p:nvPicPr>
-        <p:blipFill>
-          <a:blip r:embed="rId6"/>
-          <a:stretch>
-            <a:fillRect/>
-          </a:stretch>
-        </p:blipFill>
-        <p:spPr>
-          <a:xfrm>
-            <a:off x="7128346" y="3368375"/>
-            <a:ext cx="4736935" cy="6142120"/>
-          </a:xfrm>
-          <a:prstGeom prst="rect">
-            <a:avLst/>
-          </a:prstGeom>
-        </p:spPr>
-      </p:pic>
-      <p:sp>
-        <p:nvSpPr>
-          <p:cNvPr id="9" name="TextBox 8"/>
-          <p:cNvSpPr txBox="1"/>
-          <p:nvPr/>
-        </p:nvSpPr>
-        <p:spPr>
-          <a:xfrm>
-            <a:off x="666709" y="3092896"/>
-            <a:ext cx="3148474" cy="954107"/>
-          </a:xfrm>
-          <a:prstGeom prst="rect">
-            <a:avLst/>
-          </a:prstGeom>
-          <a:noFill/>
-        </p:spPr>
-        <p:txBody>
-          <a:bodyPr wrap="square" rtlCol="0">
-            <a:spAutoFit/>
-          </a:bodyPr>
-          <a:lstStyle/>
-          <a:p>
-            <a:r>
-              <a:rPr lang="ko-KR" altLang="en-US" sz="2800" b="1" smtClean="0"/>
-              <a:t>정확도 </a:t>
-            </a:r>
-            <a:r>
-              <a:rPr lang="en-US" altLang="ko-KR" sz="2800" b="1" smtClean="0"/>
-              <a:t>98.00</a:t>
-            </a:r>
-          </a:p>
-          <a:p>
-            <a:r>
-              <a:rPr lang="ko-KR" altLang="en-US" sz="2800" b="1" smtClean="0"/>
-              <a:t>리콜 </a:t>
-            </a:r>
-            <a:r>
-              <a:rPr lang="en-US" altLang="ko-KR" sz="2800" b="1" smtClean="0"/>
-              <a:t>98.30</a:t>
-            </a:r>
-            <a:endParaRPr lang="ko-KR" altLang="en-US" sz="2800" b="1"/>
-          </a:p>
-        </p:txBody>
-      </p:sp>
     </p:spTree>
     <p:extLst>
       <p:ext uri="{BB962C8B-B14F-4D97-AF65-F5344CB8AC3E}">
@@ -3813,7 +5257,7 @@
         </p:nvSpPr>
         <p:spPr>
           <a:xfrm>
-            <a:off x="983666" y="2392488"/>
+            <a:off x="512518" y="1716985"/>
             <a:ext cx="3148474" cy="954107"/>
           </a:xfrm>
           <a:prstGeom prst="rect">
@@ -4197,7 +5641,7 @@
         </p:blipFill>
         <p:spPr>
           <a:xfrm>
-            <a:off x="7967672" y="3061785"/>
+            <a:off x="7482851" y="3839025"/>
             <a:ext cx="4579027" cy="3304973"/>
           </a:xfrm>
           <a:prstGeom prst="rect">
@@ -4469,7 +5913,7 @@
         </p:blipFill>
         <p:spPr>
           <a:xfrm>
-            <a:off x="8721824" y="3752824"/>
+            <a:off x="8055114" y="3790924"/>
             <a:ext cx="4129288" cy="3409380"/>
           </a:xfrm>
           <a:prstGeom prst="rect">
@@ -4559,8 +6003,8 @@
         </p:nvSpPr>
         <p:spPr>
           <a:xfrm>
-            <a:off x="255664" y="140676"/>
-            <a:ext cx="7604066" cy="954107"/>
+            <a:off x="512518" y="140676"/>
+            <a:ext cx="4778810" cy="523220"/>
           </a:xfrm>
           <a:prstGeom prst="rect">
             <a:avLst/>
@@ -4575,17 +6019,7 @@
           <a:p>
             <a:r>
               <a:rPr lang="en-US" altLang="ko-KR" sz="2800" b="1" smtClean="0"/>
-              <a:t>Ensenble </a:t>
-            </a:r>
-          </a:p>
-          <a:p>
-            <a:r>
-              <a:rPr lang="en-US" altLang="ko-KR" sz="2800" b="1" smtClean="0"/>
-              <a:t>Custom(9Layer), ResNet(Layer4 Finetune</a:t>
-            </a:r>
-            <a:r>
-              <a:rPr lang="en-US" altLang="ko-KR" sz="2800" b="1" smtClean="0"/>
-              <a:t>)</a:t>
+              <a:t>Googlenet – Pure</a:t>
             </a:r>
             <a:endParaRPr lang="ko-KR" altLang="en-US" sz="2800" b="1"/>
           </a:p>
@@ -4593,7 +6027,7 @@
       </p:sp>
       <p:pic>
         <p:nvPicPr>
-          <p:cNvPr id="3" name="그림 2"/>
+          <p:cNvPr id="2" name="그림 1"/>
           <p:cNvPicPr>
             <a:picLocks noChangeAspect="1"/>
           </p:cNvPicPr>
@@ -4607,8 +6041,8 @@
         </p:blipFill>
         <p:spPr>
           <a:xfrm>
-            <a:off x="360370" y="1094784"/>
-            <a:ext cx="6372939" cy="1347248"/>
+            <a:off x="687243" y="999138"/>
+            <a:ext cx="10978831" cy="806802"/>
           </a:xfrm>
           <a:prstGeom prst="rect">
             <a:avLst/>
@@ -4623,8 +6057,8 @@
         </p:nvSpPr>
         <p:spPr>
           <a:xfrm>
-            <a:off x="255664" y="2442032"/>
-            <a:ext cx="8587000" cy="523220"/>
+            <a:off x="771598" y="2141182"/>
+            <a:ext cx="3148474" cy="954107"/>
           </a:xfrm>
           <a:prstGeom prst="rect">
             <a:avLst/>
@@ -4638,131 +6072,31 @@
           <a:lstStyle/>
           <a:p>
             <a:r>
+              <a:rPr lang="ko-KR" altLang="en-US" sz="2800" b="1" smtClean="0"/>
+              <a:t>정확도 </a:t>
+            </a:r>
+            <a:r>
               <a:rPr lang="en-US" altLang="ko-KR" sz="2800" b="1" smtClean="0"/>
-              <a:t>ResNet(Layer4 </a:t>
+              <a:t>77.11</a:t>
+            </a:r>
+          </a:p>
+          <a:p>
+            <a:r>
+              <a:rPr lang="ko-KR" altLang="en-US" sz="2800" b="1" smtClean="0"/>
+              <a:t>리콜 </a:t>
             </a:r>
             <a:r>
               <a:rPr lang="en-US" altLang="ko-KR" sz="2800" b="1" smtClean="0"/>
-              <a:t>Finetune</a:t>
-            </a:r>
-            <a:r>
-              <a:rPr lang="en-US" altLang="ko-KR" sz="2800" b="1"/>
-              <a:t>), </a:t>
-            </a:r>
-            <a:r>
-              <a:rPr lang="en-US" altLang="ko-KR" sz="2800" b="1" smtClean="0"/>
-              <a:t>ResNet(Full </a:t>
-            </a:r>
-            <a:r>
-              <a:rPr lang="en-US" altLang="ko-KR" sz="2800" b="1"/>
-              <a:t>Finetune)</a:t>
+              <a:t>83.85</a:t>
             </a:r>
             <a:endParaRPr lang="ko-KR" altLang="en-US" sz="2800" b="1"/>
           </a:p>
         </p:txBody>
       </p:sp>
-      <p:pic>
-        <p:nvPicPr>
-          <p:cNvPr id="6" name="그림 5"/>
-          <p:cNvPicPr>
-            <a:picLocks noChangeAspect="1"/>
-          </p:cNvPicPr>
-          <p:nvPr/>
-        </p:nvPicPr>
-        <p:blipFill>
-          <a:blip r:embed="rId3"/>
-          <a:stretch>
-            <a:fillRect/>
-          </a:stretch>
-        </p:blipFill>
-        <p:spPr>
-          <a:xfrm>
-            <a:off x="360370" y="3002580"/>
-            <a:ext cx="6344590" cy="1268918"/>
-          </a:xfrm>
-          <a:prstGeom prst="rect">
-            <a:avLst/>
-          </a:prstGeom>
-        </p:spPr>
-      </p:pic>
-      <p:sp>
-        <p:nvSpPr>
-          <p:cNvPr id="7" name="TextBox 6"/>
-          <p:cNvSpPr txBox="1"/>
-          <p:nvPr/>
-        </p:nvSpPr>
-        <p:spPr>
-          <a:xfrm>
-            <a:off x="255664" y="4411172"/>
-            <a:ext cx="11028863" cy="523220"/>
-          </a:xfrm>
-          <a:prstGeom prst="rect">
-            <a:avLst/>
-          </a:prstGeom>
-          <a:noFill/>
-        </p:spPr>
-        <p:txBody>
-          <a:bodyPr wrap="square" rtlCol="0">
-            <a:spAutoFit/>
-          </a:bodyPr>
-          <a:lstStyle/>
-          <a:p>
-            <a:r>
-              <a:rPr lang="en-US" altLang="ko-KR" sz="2800" b="1" smtClean="0"/>
-              <a:t>ResNet(Layer4 </a:t>
-            </a:r>
-            <a:r>
-              <a:rPr lang="en-US" altLang="ko-KR" sz="2800" b="1" smtClean="0"/>
-              <a:t>Finetune</a:t>
-            </a:r>
-            <a:r>
-              <a:rPr lang="en-US" altLang="ko-KR" sz="2800" b="1"/>
-              <a:t>), </a:t>
-            </a:r>
-            <a:r>
-              <a:rPr lang="en-US" altLang="ko-KR" sz="2800" b="1" smtClean="0"/>
-              <a:t>ResNet(Full </a:t>
-            </a:r>
-            <a:r>
-              <a:rPr lang="en-US" altLang="ko-KR" sz="2800" b="1"/>
-              <a:t>Finetune</a:t>
-            </a:r>
-            <a:r>
-              <a:rPr lang="en-US" altLang="ko-KR" sz="2800" b="1" smtClean="0"/>
-              <a:t>), Custom(9Layer)</a:t>
-            </a:r>
-            <a:endParaRPr lang="ko-KR" altLang="en-US" sz="2800" b="1"/>
-          </a:p>
-        </p:txBody>
-      </p:sp>
-      <p:pic>
-        <p:nvPicPr>
-          <p:cNvPr id="8" name="그림 7"/>
-          <p:cNvPicPr>
-            <a:picLocks noChangeAspect="1"/>
-          </p:cNvPicPr>
-          <p:nvPr/>
-        </p:nvPicPr>
-        <p:blipFill>
-          <a:blip r:embed="rId4"/>
-          <a:stretch>
-            <a:fillRect/>
-          </a:stretch>
-        </p:blipFill>
-        <p:spPr>
-          <a:xfrm>
-            <a:off x="360370" y="4976175"/>
-            <a:ext cx="6265720" cy="1320715"/>
-          </a:xfrm>
-          <a:prstGeom prst="rect">
-            <a:avLst/>
-          </a:prstGeom>
-        </p:spPr>
-      </p:pic>
     </p:spTree>
     <p:extLst>
       <p:ext uri="{BB962C8B-B14F-4D97-AF65-F5344CB8AC3E}">
-        <p14:creationId xmlns:p14="http://schemas.microsoft.com/office/powerpoint/2010/main" val="2476327977"/>
+        <p14:creationId xmlns:p14="http://schemas.microsoft.com/office/powerpoint/2010/main" val="4292307599"/>
       </p:ext>
     </p:extLst>
   </p:cSld>
@@ -4797,8 +6131,8 @@
         </p:nvSpPr>
         <p:spPr>
           <a:xfrm>
-            <a:off x="255664" y="140676"/>
-            <a:ext cx="7604066" cy="954107"/>
+            <a:off x="512517" y="140676"/>
+            <a:ext cx="6672861" cy="523220"/>
           </a:xfrm>
           <a:prstGeom prst="rect">
             <a:avLst/>
@@ -4813,25 +6147,7 @@
           <a:p>
             <a:r>
               <a:rPr lang="en-US" altLang="ko-KR" sz="2800" b="1" smtClean="0"/>
-              <a:t>Ensenble </a:t>
-            </a:r>
-          </a:p>
-          <a:p>
-            <a:r>
-              <a:rPr lang="en-US" altLang="ko-KR" sz="2800" b="1" smtClean="0"/>
-              <a:t>Custom(9Layer), </a:t>
-            </a:r>
-            <a:r>
-              <a:rPr lang="en-US" altLang="ko-KR" sz="2800" b="1" smtClean="0"/>
-              <a:t>ResNet(Full </a:t>
-            </a:r>
-            <a:r>
-              <a:rPr lang="en-US" altLang="ko-KR" sz="2800" b="1" smtClean="0"/>
-              <a:t>Finetune</a:t>
-            </a:r>
-            <a:r>
-              <a:rPr lang="en-US" altLang="ko-KR" sz="2800" b="1" smtClean="0"/>
-              <a:t>)</a:t>
+              <a:t>Googlenet – Inception5b Finetune</a:t>
             </a:r>
             <a:endParaRPr lang="ko-KR" altLang="en-US" sz="2800" b="1"/>
           </a:p>
@@ -4839,7 +6155,7 @@
       </p:sp>
       <p:pic>
         <p:nvPicPr>
-          <p:cNvPr id="9" name="그림 8"/>
+          <p:cNvPr id="6" name="그림 5"/>
           <p:cNvPicPr>
             <a:picLocks noChangeAspect="1"/>
           </p:cNvPicPr>
@@ -4853,18 +6169,158 @@
         </p:blipFill>
         <p:spPr>
           <a:xfrm>
-            <a:off x="338725" y="1188398"/>
-            <a:ext cx="6302740" cy="1398938"/>
+            <a:off x="5481339" y="694376"/>
+            <a:ext cx="3229690" cy="4646725"/>
           </a:xfrm>
           <a:prstGeom prst="rect">
             <a:avLst/>
           </a:prstGeom>
         </p:spPr>
       </p:pic>
+      <p:pic>
+        <p:nvPicPr>
+          <p:cNvPr id="7" name="그림 6"/>
+          <p:cNvPicPr>
+            <a:picLocks noChangeAspect="1"/>
+          </p:cNvPicPr>
+          <p:nvPr/>
+        </p:nvPicPr>
+        <p:blipFill>
+          <a:blip r:embed="rId3"/>
+          <a:stretch>
+            <a:fillRect/>
+          </a:stretch>
+        </p:blipFill>
+        <p:spPr>
+          <a:xfrm>
+            <a:off x="8799841" y="694376"/>
+            <a:ext cx="3252475" cy="4409538"/>
+          </a:xfrm>
+          <a:prstGeom prst="rect">
+            <a:avLst/>
+          </a:prstGeom>
+        </p:spPr>
+      </p:pic>
+      <p:pic>
+        <p:nvPicPr>
+          <p:cNvPr id="5" name="그림 4"/>
+          <p:cNvPicPr>
+            <a:picLocks noChangeAspect="1"/>
+          </p:cNvPicPr>
+          <p:nvPr/>
+        </p:nvPicPr>
+        <p:blipFill>
+          <a:blip r:embed="rId4"/>
+          <a:stretch>
+            <a:fillRect/>
+          </a:stretch>
+        </p:blipFill>
+        <p:spPr>
+          <a:xfrm>
+            <a:off x="8297675" y="5264901"/>
+            <a:ext cx="3673346" cy="1320528"/>
+          </a:xfrm>
+          <a:prstGeom prst="rect">
+            <a:avLst/>
+          </a:prstGeom>
+        </p:spPr>
+      </p:pic>
+      <p:pic>
+        <p:nvPicPr>
+          <p:cNvPr id="8" name="그림 7"/>
+          <p:cNvPicPr>
+            <a:picLocks noChangeAspect="1"/>
+          </p:cNvPicPr>
+          <p:nvPr/>
+        </p:nvPicPr>
+        <p:blipFill>
+          <a:blip r:embed="rId5"/>
+          <a:stretch>
+            <a:fillRect/>
+          </a:stretch>
+        </p:blipFill>
+        <p:spPr>
+          <a:xfrm>
+            <a:off x="342283" y="694377"/>
+            <a:ext cx="5469245" cy="1980244"/>
+          </a:xfrm>
+          <a:prstGeom prst="rect">
+            <a:avLst/>
+          </a:prstGeom>
+        </p:spPr>
+      </p:pic>
+      <p:pic>
+        <p:nvPicPr>
+          <p:cNvPr id="9" name="그림 8"/>
+          <p:cNvPicPr>
+            <a:picLocks noChangeAspect="1"/>
+          </p:cNvPicPr>
+          <p:nvPr/>
+        </p:nvPicPr>
+        <p:blipFill>
+          <a:blip r:embed="rId6"/>
+          <a:stretch>
+            <a:fillRect/>
+          </a:stretch>
+        </p:blipFill>
+        <p:spPr>
+          <a:xfrm>
+            <a:off x="646859" y="6090060"/>
+            <a:ext cx="6449325" cy="495369"/>
+          </a:xfrm>
+          <a:prstGeom prst="rect">
+            <a:avLst/>
+          </a:prstGeom>
+        </p:spPr>
+      </p:pic>
+      <p:sp>
+        <p:nvSpPr>
+          <p:cNvPr id="10" name="TextBox 9"/>
+          <p:cNvSpPr txBox="1"/>
+          <p:nvPr/>
+        </p:nvSpPr>
+        <p:spPr>
+          <a:xfrm>
+            <a:off x="915086" y="3423580"/>
+            <a:ext cx="3148474" cy="954107"/>
+          </a:xfrm>
+          <a:prstGeom prst="rect">
+            <a:avLst/>
+          </a:prstGeom>
+          <a:noFill/>
+        </p:spPr>
+        <p:txBody>
+          <a:bodyPr wrap="square" rtlCol="0">
+            <a:spAutoFit/>
+          </a:bodyPr>
+          <a:lstStyle/>
+          <a:p>
+            <a:r>
+              <a:rPr lang="ko-KR" altLang="en-US" sz="2800" b="1" smtClean="0"/>
+              <a:t>정확도 </a:t>
+            </a:r>
+            <a:r>
+              <a:rPr lang="en-US" altLang="ko-KR" sz="2800" b="1" smtClean="0"/>
+              <a:t>98.54</a:t>
+            </a:r>
+          </a:p>
+          <a:p>
+            <a:r>
+              <a:rPr lang="ko-KR" altLang="en-US" sz="2800" b="1" smtClean="0"/>
+              <a:t>리콜 </a:t>
+            </a:r>
+            <a:r>
+              <a:rPr lang="en-US" altLang="ko-KR" sz="2800" b="1" smtClean="0"/>
+              <a:t>98.59</a:t>
+            </a:r>
+            <a:endParaRPr lang="ko-KR" altLang="en-US" sz="2800" b="1"/>
+          </a:p>
+        </p:txBody>
+      </p:sp>
     </p:spTree>
     <p:extLst>
       <p:ext uri="{BB962C8B-B14F-4D97-AF65-F5344CB8AC3E}">
-        <p14:creationId xmlns:p14="http://schemas.microsoft.com/office/powerpoint/2010/main" val="2161748907"/>
+        <p14:creationId xmlns:p14="http://schemas.microsoft.com/office/powerpoint/2010/main" val="4262911382"/>
       </p:ext>
     </p:extLst>
   </p:cSld>
@@ -4899,8 +6355,8 @@
         </p:nvSpPr>
         <p:spPr>
           <a:xfrm>
-            <a:off x="512518" y="140676"/>
-            <a:ext cx="4778810" cy="523220"/>
+            <a:off x="512517" y="140676"/>
+            <a:ext cx="10170723" cy="523220"/>
           </a:xfrm>
           <a:prstGeom prst="rect">
             <a:avLst/>
@@ -4915,7 +6371,155 @@
           <a:p>
             <a:r>
               <a:rPr lang="en-US" altLang="ko-KR" sz="2800" b="1" smtClean="0"/>
-              <a:t>Googlenet – Pure</a:t>
+              <a:t>RESNET50 – layer4 – </a:t>
+            </a:r>
+            <a:r>
+              <a:rPr lang="ko-KR" altLang="en-US" sz="2800" b="1" smtClean="0"/>
+              <a:t>증강 데이터 파인튜닝 </a:t>
+            </a:r>
+            <a:r>
+              <a:rPr lang="en-US" altLang="ko-KR" sz="2800" b="1" smtClean="0"/>
+              <a:t>– epoch 10</a:t>
+            </a:r>
+            <a:endParaRPr lang="ko-KR" altLang="en-US" sz="2800" b="1"/>
+          </a:p>
+        </p:txBody>
+      </p:sp>
+      <p:pic>
+        <p:nvPicPr>
+          <p:cNvPr id="5" name="그림 4"/>
+          <p:cNvPicPr>
+            <a:picLocks noChangeAspect="1"/>
+          </p:cNvPicPr>
+          <p:nvPr/>
+        </p:nvPicPr>
+        <p:blipFill>
+          <a:blip r:embed="rId2"/>
+          <a:stretch>
+            <a:fillRect/>
+          </a:stretch>
+        </p:blipFill>
+        <p:spPr>
+          <a:xfrm>
+            <a:off x="4149746" y="856956"/>
+            <a:ext cx="3793084" cy="5541127"/>
+          </a:xfrm>
+          <a:prstGeom prst="rect">
+            <a:avLst/>
+          </a:prstGeom>
+        </p:spPr>
+      </p:pic>
+      <p:pic>
+        <p:nvPicPr>
+          <p:cNvPr id="6" name="그림 5"/>
+          <p:cNvPicPr>
+            <a:picLocks noChangeAspect="1"/>
+          </p:cNvPicPr>
+          <p:nvPr/>
+        </p:nvPicPr>
+        <p:blipFill>
+          <a:blip r:embed="rId3"/>
+          <a:stretch>
+            <a:fillRect/>
+          </a:stretch>
+        </p:blipFill>
+        <p:spPr>
+          <a:xfrm>
+            <a:off x="8033864" y="856956"/>
+            <a:ext cx="4158136" cy="5541127"/>
+          </a:xfrm>
+          <a:prstGeom prst="rect">
+            <a:avLst/>
+          </a:prstGeom>
+        </p:spPr>
+      </p:pic>
+      <p:pic>
+        <p:nvPicPr>
+          <p:cNvPr id="7" name="그림 6"/>
+          <p:cNvPicPr>
+            <a:picLocks noChangeAspect="1"/>
+          </p:cNvPicPr>
+          <p:nvPr/>
+        </p:nvPicPr>
+        <p:blipFill>
+          <a:blip r:embed="rId4"/>
+          <a:stretch>
+            <a:fillRect/>
+          </a:stretch>
+        </p:blipFill>
+        <p:spPr>
+          <a:xfrm>
+            <a:off x="376581" y="801783"/>
+            <a:ext cx="4885508" cy="1781397"/>
+          </a:xfrm>
+          <a:prstGeom prst="rect">
+            <a:avLst/>
+          </a:prstGeom>
+        </p:spPr>
+      </p:pic>
+      <p:pic>
+        <p:nvPicPr>
+          <p:cNvPr id="8" name="그림 7"/>
+          <p:cNvPicPr>
+            <a:picLocks noChangeAspect="1"/>
+          </p:cNvPicPr>
+          <p:nvPr/>
+        </p:nvPicPr>
+        <p:blipFill>
+          <a:blip r:embed="rId5"/>
+          <a:stretch>
+            <a:fillRect/>
+          </a:stretch>
+        </p:blipFill>
+        <p:spPr>
+          <a:xfrm>
+            <a:off x="446271" y="6171985"/>
+            <a:ext cx="6468378" cy="419158"/>
+          </a:xfrm>
+          <a:prstGeom prst="rect">
+            <a:avLst/>
+          </a:prstGeom>
+        </p:spPr>
+      </p:pic>
+      <p:sp>
+        <p:nvSpPr>
+          <p:cNvPr id="9" name="TextBox 8"/>
+          <p:cNvSpPr txBox="1"/>
+          <p:nvPr/>
+        </p:nvSpPr>
+        <p:spPr>
+          <a:xfrm>
+            <a:off x="376581" y="2867320"/>
+            <a:ext cx="3148474" cy="954107"/>
+          </a:xfrm>
+          <a:prstGeom prst="rect">
+            <a:avLst/>
+          </a:prstGeom>
+          <a:noFill/>
+        </p:spPr>
+        <p:txBody>
+          <a:bodyPr wrap="square" rtlCol="0">
+            <a:spAutoFit/>
+          </a:bodyPr>
+          <a:lstStyle/>
+          <a:p>
+            <a:r>
+              <a:rPr lang="ko-KR" altLang="en-US" sz="2800" b="1" smtClean="0"/>
+              <a:t>정확도 </a:t>
+            </a:r>
+            <a:r>
+              <a:rPr lang="en-US" altLang="ko-KR" sz="2800" b="1" smtClean="0"/>
+              <a:t>95.89</a:t>
+            </a:r>
+          </a:p>
+          <a:p>
+            <a:r>
+              <a:rPr lang="ko-KR" altLang="en-US" sz="2800" b="1" smtClean="0"/>
+              <a:t>리콜 </a:t>
+            </a:r>
+            <a:r>
+              <a:rPr lang="en-US" altLang="ko-KR" sz="2800" b="1" smtClean="0"/>
+              <a:t>98.59</a:t>
             </a:r>
             <a:endParaRPr lang="ko-KR" altLang="en-US" sz="2800" b="1"/>
           </a:p>
@@ -4924,7 +6528,7 @@
     </p:spTree>
     <p:extLst>
       <p:ext uri="{BB962C8B-B14F-4D97-AF65-F5344CB8AC3E}">
-        <p14:creationId xmlns:p14="http://schemas.microsoft.com/office/powerpoint/2010/main" val="4292307599"/>
+        <p14:creationId xmlns:p14="http://schemas.microsoft.com/office/powerpoint/2010/main" val="1824772944"/>
       </p:ext>
     </p:extLst>
   </p:cSld>
